--- a/ppt/02.二分类-非数值输入.pptx
+++ b/ppt/02.二分类-非数值输入.pptx
@@ -4911,9 +4911,8 @@
             </a:endParaRPr>
           </a:p>
           <a:p>
-            <a:pPr algn="l"/>
-            <a:r>
-              <a:rPr lang="zh-CN" altLang="en-US" sz="1800" dirty="0">
+            <a:r>
+              <a:rPr lang="en-US" altLang="zh-CN" sz="1800" dirty="0">
                 <a:solidFill>
                   <a:schemeClr val="bg1">
                     <a:lumMod val="50000"/>
@@ -4923,21 +4922,8 @@
                 <a:ea typeface="Kaiti TC" panose="02010600040101010101" pitchFamily="2" charset="-120"/>
                 <a:cs typeface="Chalkboard" charset="0"/>
               </a:rPr>
-              <a:t>　　竹外桃花三两枝，春江水暖鸭先知。</a:t>
-            </a:r>
-            <a:endParaRPr lang="en-US" altLang="zh-CN" sz="1800" dirty="0">
-              <a:solidFill>
-                <a:schemeClr val="bg1">
-                  <a:lumMod val="50000"/>
-                </a:schemeClr>
-              </a:solidFill>
-              <a:latin typeface="Kaiti TC" panose="02010600040101010101" pitchFamily="2" charset="-120"/>
-              <a:ea typeface="Kaiti TC" panose="02010600040101010101" pitchFamily="2" charset="-120"/>
-              <a:cs typeface="Chalkboard" charset="0"/>
-            </a:endParaRPr>
-          </a:p>
-          <a:p>
-            <a:pPr algn="l"/>
+              <a:t>——</a:t>
+            </a:r>
             <a:r>
               <a:rPr lang="zh-CN" altLang="en-US" sz="1800" dirty="0">
                 <a:solidFill>
@@ -4949,10 +4935,10 @@
                 <a:ea typeface="Kaiti TC" panose="02010600040101010101" pitchFamily="2" charset="-120"/>
                 <a:cs typeface="Chalkboard" charset="0"/>
               </a:rPr>
-              <a:t>　　　　　　　　　　　　　　　　　　　　　　　　　</a:t>
-            </a:r>
-            <a:r>
-              <a:rPr lang="en-US" altLang="zh-CN" sz="1800" dirty="0">
+              <a:t>侧重类别的二分类案例 </a:t>
+            </a:r>
+            <a:r>
+              <a:rPr lang="en-US" altLang="zh-CN" sz="1800">
                 <a:solidFill>
                   <a:schemeClr val="bg1">
                     <a:lumMod val="50000"/>
@@ -4962,59 +4948,7 @@
                 <a:ea typeface="Kaiti TC" panose="02010600040101010101" pitchFamily="2" charset="-120"/>
                 <a:cs typeface="Chalkboard" charset="0"/>
               </a:rPr>
-              <a:t>——</a:t>
-            </a:r>
-            <a:r>
-              <a:rPr lang="zh-CN" altLang="en-US" sz="1800" dirty="0">
-                <a:solidFill>
-                  <a:schemeClr val="bg1">
-                    <a:lumMod val="50000"/>
-                  </a:schemeClr>
-                </a:solidFill>
-                <a:latin typeface="Kaiti TC" panose="02010600040101010101" pitchFamily="2" charset="-120"/>
-                <a:ea typeface="Kaiti TC" panose="02010600040101010101" pitchFamily="2" charset="-120"/>
-                <a:cs typeface="Chalkboard" charset="0"/>
-              </a:rPr>
-              <a:t>苏轼</a:t>
-            </a:r>
-            <a:r>
-              <a:rPr lang="en-US" altLang="zh-CN" sz="1800" dirty="0">
-                <a:solidFill>
-                  <a:schemeClr val="bg1">
-                    <a:lumMod val="50000"/>
-                  </a:schemeClr>
-                </a:solidFill>
-                <a:latin typeface="Kaiti TC" panose="02010600040101010101" pitchFamily="2" charset="-120"/>
-                <a:ea typeface="Kaiti TC" panose="02010600040101010101" pitchFamily="2" charset="-120"/>
-                <a:cs typeface="Chalkboard" charset="0"/>
-              </a:rPr>
-              <a:t>《</a:t>
-            </a:r>
-            <a:r>
-              <a:rPr lang="zh-CN" altLang="en-US" sz="1800" dirty="0">
-                <a:solidFill>
-                  <a:schemeClr val="bg1">
-                    <a:lumMod val="50000"/>
-                  </a:schemeClr>
-                </a:solidFill>
-                <a:latin typeface="Kaiti TC" panose="02010600040101010101" pitchFamily="2" charset="-120"/>
-                <a:ea typeface="Kaiti TC" panose="02010600040101010101" pitchFamily="2" charset="-120"/>
-                <a:cs typeface="Chalkboard" charset="0"/>
-              </a:rPr>
-              <a:t>惠崇春江晚景</a:t>
-            </a:r>
-            <a:r>
-              <a:rPr lang="en-US" altLang="zh-CN" sz="1800" dirty="0">
-                <a:solidFill>
-                  <a:schemeClr val="bg1">
-                    <a:lumMod val="50000"/>
-                  </a:schemeClr>
-                </a:solidFill>
-                <a:latin typeface="Kaiti TC" panose="02010600040101010101" pitchFamily="2" charset="-120"/>
-                <a:ea typeface="Kaiti TC" panose="02010600040101010101" pitchFamily="2" charset="-120"/>
-                <a:cs typeface="Chalkboard" charset="0"/>
-              </a:rPr>
-              <a:t>》</a:t>
+              <a:t>Categorical</a:t>
             </a:r>
             <a:endParaRPr lang="en-US" sz="1800" dirty="0">
               <a:solidFill>
